--- a/Natural Language Processing.pptx
+++ b/Natural Language Processing.pptx
@@ -5,7 +5,7 @@
     <p:sldMasterId id="2147483648" r:id="rId4"/>
   </p:sldMasterIdLst>
   <p:notesMasterIdLst>
-    <p:notesMasterId r:id="rId18"/>
+    <p:notesMasterId r:id="rId19"/>
   </p:notesMasterIdLst>
   <p:sldIdLst>
     <p:sldId id="256" r:id="rId5"/>
@@ -18,9 +18,10 @@
     <p:sldId id="294" r:id="rId12"/>
     <p:sldId id="295" r:id="rId13"/>
     <p:sldId id="296" r:id="rId14"/>
-    <p:sldId id="287" r:id="rId15"/>
-    <p:sldId id="258" r:id="rId16"/>
-    <p:sldId id="289" r:id="rId17"/>
+    <p:sldId id="297" r:id="rId15"/>
+    <p:sldId id="287" r:id="rId16"/>
+    <p:sldId id="258" r:id="rId17"/>
+    <p:sldId id="289" r:id="rId18"/>
   </p:sldIdLst>
   <p:sldSz cx="12192000" cy="6858000"/>
   <p:notesSz cx="6858000" cy="9144000"/>
@@ -9416,7 +9417,7 @@
         <p:spPr>
           <a:xfrm>
             <a:off x="4777759" y="1157382"/>
-            <a:ext cx="6177516" cy="2677656"/>
+            <a:ext cx="6177516" cy="3046988"/>
           </a:xfrm>
           <a:prstGeom prst="rect">
             <a:avLst/>
@@ -9501,17 +9502,103 @@
           <a:p>
             <a:r>
               <a:rPr lang="en-US" sz="1200" dirty="0"/>
-              <a:t>"""</a:t>
-            </a:r>
-          </a:p>
-          <a:p>
+              <a:t># </a:t>
+            </a:r>
+            <a:r>
+              <a:rPr lang="en-US" sz="1200" dirty="0" err="1"/>
+              <a:t>Lưu</a:t>
+            </a:r>
+            <a:r>
+              <a:rPr lang="en-US" sz="1200" dirty="0"/>
+              <a:t> model </a:t>
+            </a:r>
+            <a:r>
+              <a:rPr lang="en-US" sz="1200" dirty="0" err="1"/>
+              <a:t>sau</a:t>
+            </a:r>
             <a:r>
               <a:rPr lang="en-US" sz="1200" dirty="0"/>
               <a:t> </a:t>
             </a:r>
             <a:r>
               <a:rPr lang="en-US" sz="1200" dirty="0" err="1"/>
-              <a:t>Đánh</a:t>
+              <a:t>khi</a:t>
+            </a:r>
+            <a:r>
+              <a:rPr lang="en-US" sz="1200" dirty="0"/>
+              <a:t> retrain</a:t>
+            </a:r>
+          </a:p>
+          <a:p>
+            <a:r>
+              <a:rPr lang="en-US" sz="1200" dirty="0" err="1"/>
+              <a:t>output_dir</a:t>
+            </a:r>
+            <a:r>
+              <a:rPr lang="en-US" sz="1200" dirty="0"/>
+              <a:t> = "./imdb-xlm-</a:t>
+            </a:r>
+            <a:r>
+              <a:rPr lang="en-US" sz="1200" dirty="0" err="1"/>
+              <a:t>roberta</a:t>
+            </a:r>
+            <a:r>
+              <a:rPr lang="en-US" sz="1200" dirty="0"/>
+              <a:t>"</a:t>
+            </a:r>
+          </a:p>
+          <a:p>
+            <a:r>
+              <a:rPr lang="en-US" sz="1200" dirty="0" err="1"/>
+              <a:t>model.save_pretrained</a:t>
+            </a:r>
+            <a:r>
+              <a:rPr lang="en-US" sz="1200" dirty="0"/>
+              <a:t>(</a:t>
+            </a:r>
+            <a:r>
+              <a:rPr lang="en-US" sz="1200" dirty="0" err="1"/>
+              <a:t>output_dir</a:t>
+            </a:r>
+            <a:r>
+              <a:rPr lang="en-US" sz="1200" dirty="0"/>
+              <a:t>)</a:t>
+            </a:r>
+          </a:p>
+          <a:p>
+            <a:r>
+              <a:rPr lang="en-US" sz="1200" dirty="0" err="1"/>
+              <a:t>tokenizer.save_pretrained</a:t>
+            </a:r>
+            <a:r>
+              <a:rPr lang="en-US" sz="1200" dirty="0"/>
+              <a:t>(</a:t>
+            </a:r>
+            <a:r>
+              <a:rPr lang="en-US" sz="1200" dirty="0" err="1"/>
+              <a:t>output_dir</a:t>
+            </a:r>
+            <a:r>
+              <a:rPr lang="en-US" sz="1200" dirty="0"/>
+              <a:t>)</a:t>
+            </a:r>
+          </a:p>
+          <a:p>
+            <a:r>
+              <a:rPr lang="en-US" sz="1200" dirty="0"/>
+              <a:t>#Đánh </a:t>
+            </a:r>
+            <a:r>
+              <a:rPr lang="en-US" sz="1200" dirty="0" err="1"/>
+              <a:t>giá</a:t>
+            </a:r>
+            <a:r>
+              <a:rPr lang="en-US" sz="1200" dirty="0"/>
+              <a:t> model </a:t>
+            </a:r>
+            <a:r>
+              <a:rPr lang="en-US" sz="1200" dirty="0" err="1"/>
+              <a:t>sau</a:t>
             </a:r>
             <a:r>
               <a:rPr lang="en-US" sz="1200" dirty="0"/>
@@ -9519,22 +9606,6 @@
             </a:r>
             <a:r>
               <a:rPr lang="en-US" sz="1200" dirty="0" err="1"/>
-              <a:t>giá</a:t>
-            </a:r>
-            <a:r>
-              <a:rPr lang="en-US" sz="1200" dirty="0"/>
-              <a:t> model </a:t>
-            </a:r>
-            <a:r>
-              <a:rPr lang="en-US" sz="1200" dirty="0" err="1"/>
-              <a:t>sau</a:t>
-            </a:r>
-            <a:r>
-              <a:rPr lang="en-US" sz="1200" dirty="0"/>
-              <a:t> </a:t>
-            </a:r>
-            <a:r>
-              <a:rPr lang="en-US" sz="1200" dirty="0" err="1"/>
               <a:t>khi</a:t>
             </a:r>
             <a:r>
@@ -9544,16 +9615,6 @@
           </a:p>
           <a:p>
             <a:r>
-              <a:rPr lang="en-US" sz="1200" dirty="0"/>
-              <a:t>  """</a:t>
-            </a:r>
-          </a:p>
-          <a:p>
-            <a:r>
-              <a:rPr lang="en-US" sz="1200" dirty="0"/>
-              <a:t>    </a:t>
-            </a:r>
-            <a:r>
               <a:rPr lang="en-US" sz="1200" dirty="0" err="1"/>
               <a:t>eval_results</a:t>
             </a:r>
@@ -9569,174 +9630,6 @@
               <a:rPr lang="en-US" sz="1200" dirty="0"/>
               <a:t>()</a:t>
             </a:r>
-          </a:p>
-        </p:txBody>
-      </p:sp>
-      <p:sp>
-        <p:nvSpPr>
-          <p:cNvPr id="2" name="Title 1">
-            <a:extLst>
-              <a:ext uri="{FF2B5EF4-FFF2-40B4-BE49-F238E27FC236}">
-                <a16:creationId xmlns:a16="http://schemas.microsoft.com/office/drawing/2014/main" id="{551F7771-A3E7-1407-489E-D361AAE0F411}"/>
-              </a:ext>
-            </a:extLst>
-          </p:cNvPr>
-          <p:cNvSpPr txBox="1">
-            <a:spLocks/>
-          </p:cNvSpPr>
-          <p:nvPr/>
-        </p:nvSpPr>
-        <p:spPr>
-          <a:xfrm>
-            <a:off x="226828" y="4123874"/>
-            <a:ext cx="4483218" cy="456211"/>
-          </a:xfrm>
-          <a:prstGeom prst="rect">
-            <a:avLst/>
-          </a:prstGeom>
-        </p:spPr>
-        <p:txBody>
-          <a:bodyPr vert="horz" lIns="91440" tIns="45720" rIns="91440" bIns="45720" rtlCol="0" anchor="b">
-            <a:normAutofit fontScale="97500"/>
-          </a:bodyPr>
-          <a:lstStyle>
-            <a:lvl1pPr algn="ctr" defTabSz="914400" rtl="0" eaLnBrk="1" latinLnBrk="0" hangingPunct="1">
-              <a:lnSpc>
-                <a:spcPct val="90000"/>
-              </a:lnSpc>
-              <a:spcBef>
-                <a:spcPct val="0"/>
-              </a:spcBef>
-              <a:buNone/>
-              <a:defRPr sz="4400" b="1" kern="1200">
-                <a:solidFill>
-                  <a:schemeClr val="accent4"/>
-                </a:solidFill>
-                <a:latin typeface="+mj-lt"/>
-                <a:ea typeface="+mj-ea"/>
-                <a:cs typeface="+mj-cs"/>
-              </a:defRPr>
-            </a:lvl1pPr>
-          </a:lstStyle>
-          <a:p>
-            <a:pPr marL="457200" indent="-457200" algn="l">
-              <a:buFont typeface="Arial" panose="020B0604020202020204" pitchFamily="34" charset="0"/>
-              <a:buChar char="•"/>
-            </a:pPr>
-            <a:r>
-              <a:rPr lang="en-US" sz="2000" b="0" dirty="0"/>
-              <a:t>Testing</a:t>
-            </a:r>
-            <a:r>
-              <a:rPr lang="en-US" sz="1900" b="0" dirty="0"/>
-              <a:t> </a:t>
-            </a:r>
-          </a:p>
-        </p:txBody>
-      </p:sp>
-      <p:sp>
-        <p:nvSpPr>
-          <p:cNvPr id="3" name="TextBox 2">
-            <a:extLst>
-              <a:ext uri="{FF2B5EF4-FFF2-40B4-BE49-F238E27FC236}">
-                <a16:creationId xmlns:a16="http://schemas.microsoft.com/office/drawing/2014/main" id="{DFA75C09-14BB-EA58-4563-28A44239EA39}"/>
-              </a:ext>
-            </a:extLst>
-          </p:cNvPr>
-          <p:cNvSpPr txBox="1"/>
-          <p:nvPr/>
-        </p:nvSpPr>
-        <p:spPr>
-          <a:xfrm>
-            <a:off x="4777759" y="4109691"/>
-            <a:ext cx="6177516" cy="2308324"/>
-          </a:xfrm>
-          <a:prstGeom prst="rect">
-            <a:avLst/>
-          </a:prstGeom>
-          <a:solidFill>
-            <a:schemeClr val="bg1">
-              <a:lumMod val="75000"/>
-            </a:schemeClr>
-          </a:solidFill>
-        </p:spPr>
-        <p:txBody>
-          <a:bodyPr wrap="square">
-            <a:spAutoFit/>
-          </a:bodyPr>
-          <a:lstStyle/>
-          <a:p>
-            <a:r>
-              <a:rPr lang="vi-VN" sz="1200" dirty="0"/>
-              <a:t># Test với một số ví dụ</a:t>
-            </a:r>
-          </a:p>
-          <a:p>
-            <a:r>
-              <a:rPr lang="vi-VN" sz="1200" dirty="0"/>
-              <a:t>    test_texts = [</a:t>
-            </a:r>
-          </a:p>
-          <a:p>
-            <a:r>
-              <a:rPr lang="vi-VN" sz="1200" dirty="0"/>
-              <a:t>        "This movie was absolutely fantastic! I loved every minute of it.",</a:t>
-            </a:r>
-          </a:p>
-          <a:p>
-            <a:r>
-              <a:rPr lang="vi-VN" sz="1200" dirty="0"/>
-              <a:t>        "What a terrible waste of time. I wouldn't recommend this to anyone."</a:t>
-            </a:r>
-          </a:p>
-          <a:p>
-            <a:r>
-              <a:rPr lang="vi-VN" sz="1200" dirty="0"/>
-              <a:t>    ]</a:t>
-            </a:r>
-          </a:p>
-          <a:p>
-            <a:r>
-              <a:rPr lang="vi-VN" sz="1200" dirty="0"/>
-              <a:t>    </a:t>
-            </a:r>
-          </a:p>
-          <a:p>
-            <a:r>
-              <a:rPr lang="vi-VN" sz="1200" dirty="0"/>
-              <a:t>    print("\nTest dự đoán với một số ví dụ:")</a:t>
-            </a:r>
-          </a:p>
-          <a:p>
-            <a:r>
-              <a:rPr lang="vi-VN" sz="1200" dirty="0"/>
-              <a:t>    for text in test_texts:</a:t>
-            </a:r>
-          </a:p>
-          <a:p>
-            <a:r>
-              <a:rPr lang="vi-VN" sz="1200" dirty="0"/>
-              <a:t>        result = predict_sentiment(text, model, tokenizer)</a:t>
-            </a:r>
-          </a:p>
-          <a:p>
-            <a:r>
-              <a:rPr lang="vi-VN" sz="1200" dirty="0"/>
-              <a:t>        print(f"\nText: {result['text']}")</a:t>
-            </a:r>
-          </a:p>
-          <a:p>
-            <a:r>
-              <a:rPr lang="vi-VN" sz="1200" dirty="0"/>
-              <a:t>        print(f"Sentiment: {result['sentiment']}")</a:t>
-            </a:r>
-          </a:p>
-          <a:p>
-            <a:r>
-              <a:rPr lang="vi-VN" sz="1200" dirty="0"/>
-              <a:t>        print(f"Confidence: {result['confidence']:.4f}")</a:t>
-            </a:r>
-            <a:endParaRPr lang="en-US" sz="1200" dirty="0"/>
           </a:p>
         </p:txBody>
       </p:sp>
@@ -9758,6 +9651,551 @@
   <p:cSld>
     <p:spTree>
       <p:nvGrpSpPr>
+        <p:cNvPr id="1" name="">
+          <a:extLst>
+            <a:ext uri="{FF2B5EF4-FFF2-40B4-BE49-F238E27FC236}">
+              <a16:creationId xmlns:a16="http://schemas.microsoft.com/office/drawing/2014/main" id="{70732B9D-2552-D9C9-7D0B-670957B1BCEC}"/>
+            </a:ext>
+          </a:extLst>
+        </p:cNvPr>
+        <p:cNvGrpSpPr/>
+        <p:nvPr/>
+      </p:nvGrpSpPr>
+      <p:grpSpPr>
+        <a:xfrm>
+          <a:off x="0" y="0"/>
+          <a:ext cx="0" cy="0"/>
+          <a:chOff x="0" y="0"/>
+          <a:chExt cx="0" cy="0"/>
+        </a:xfrm>
+      </p:grpSpPr>
+      <p:sp>
+        <p:nvSpPr>
+          <p:cNvPr id="11" name="Date Placeholder 10">
+            <a:extLst>
+              <a:ext uri="{FF2B5EF4-FFF2-40B4-BE49-F238E27FC236}">
+                <a16:creationId xmlns:a16="http://schemas.microsoft.com/office/drawing/2014/main" id="{C4052419-E27D-849E-E318-B5DCC850E4B1}"/>
+              </a:ext>
+            </a:extLst>
+          </p:cNvPr>
+          <p:cNvSpPr>
+            <a:spLocks noGrp="1"/>
+          </p:cNvSpPr>
+          <p:nvPr>
+            <p:ph type="dt" sz="half" idx="10"/>
+          </p:nvPr>
+        </p:nvSpPr>
+        <p:spPr/>
+        <p:txBody>
+          <a:bodyPr/>
+          <a:lstStyle/>
+          <a:p>
+            <a:r>
+              <a:rPr lang="en-US" dirty="0"/>
+              <a:t>28/10/2024</a:t>
+            </a:r>
+          </a:p>
+        </p:txBody>
+      </p:sp>
+      <p:sp>
+        <p:nvSpPr>
+          <p:cNvPr id="5" name="Footer Placeholder 4">
+            <a:extLst>
+              <a:ext uri="{FF2B5EF4-FFF2-40B4-BE49-F238E27FC236}">
+                <a16:creationId xmlns:a16="http://schemas.microsoft.com/office/drawing/2014/main" id="{FE8DEF81-DE3A-3D75-7F89-35FCD579ADBA}"/>
+              </a:ext>
+            </a:extLst>
+          </p:cNvPr>
+          <p:cNvSpPr>
+            <a:spLocks noGrp="1"/>
+          </p:cNvSpPr>
+          <p:nvPr>
+            <p:ph type="ftr" sz="quarter" idx="11"/>
+          </p:nvPr>
+        </p:nvSpPr>
+        <p:spPr>
+          <a:xfrm>
+            <a:off x="4038600" y="6356350"/>
+            <a:ext cx="4114800" cy="365125"/>
+          </a:xfrm>
+        </p:spPr>
+        <p:txBody>
+          <a:bodyPr/>
+          <a:lstStyle/>
+          <a:p>
+            <a:r>
+              <a:rPr lang="en-US" sz="900" dirty="0"/>
+              <a:t>Applications of NLP</a:t>
+            </a:r>
+            <a:endParaRPr lang="en-ZA" dirty="0"/>
+          </a:p>
+        </p:txBody>
+      </p:sp>
+      <p:sp>
+        <p:nvSpPr>
+          <p:cNvPr id="4" name="Slide Number Placeholder 3">
+            <a:extLst>
+              <a:ext uri="{FF2B5EF4-FFF2-40B4-BE49-F238E27FC236}">
+                <a16:creationId xmlns:a16="http://schemas.microsoft.com/office/drawing/2014/main" id="{76501FB1-07A8-43F4-9CD6-CA58313FF3CE}"/>
+              </a:ext>
+            </a:extLst>
+          </p:cNvPr>
+          <p:cNvSpPr>
+            <a:spLocks noGrp="1"/>
+          </p:cNvSpPr>
+          <p:nvPr>
+            <p:ph type="sldNum" sz="quarter" idx="12"/>
+          </p:nvPr>
+        </p:nvSpPr>
+        <p:spPr>
+          <a:xfrm>
+            <a:off x="8610600" y="6356350"/>
+            <a:ext cx="2743200" cy="365125"/>
+          </a:xfrm>
+        </p:spPr>
+        <p:txBody>
+          <a:bodyPr/>
+          <a:lstStyle/>
+          <a:p>
+            <a:fld id="{19B51A1E-902D-48AF-9020-955120F399B6}" type="slidenum">
+              <a:rPr lang="en-ZA" smtClean="0"/>
+              <a:pPr/>
+              <a:t>11</a:t>
+            </a:fld>
+            <a:endParaRPr lang="en-ZA" dirty="0"/>
+          </a:p>
+        </p:txBody>
+      </p:sp>
+      <p:sp>
+        <p:nvSpPr>
+          <p:cNvPr id="7" name="Title 1">
+            <a:extLst>
+              <a:ext uri="{FF2B5EF4-FFF2-40B4-BE49-F238E27FC236}">
+                <a16:creationId xmlns:a16="http://schemas.microsoft.com/office/drawing/2014/main" id="{433B2FE5-59A6-6C6E-2AD0-4BFDA967AA03}"/>
+              </a:ext>
+            </a:extLst>
+          </p:cNvPr>
+          <p:cNvSpPr txBox="1">
+            <a:spLocks/>
+          </p:cNvSpPr>
+          <p:nvPr/>
+        </p:nvSpPr>
+        <p:spPr>
+          <a:xfrm>
+            <a:off x="88782" y="136525"/>
+            <a:ext cx="11876390" cy="739145"/>
+          </a:xfrm>
+          <a:prstGeom prst="rect">
+            <a:avLst/>
+          </a:prstGeom>
+        </p:spPr>
+        <p:txBody>
+          <a:bodyPr vert="horz" lIns="91440" tIns="45720" rIns="91440" bIns="45720" rtlCol="0" anchor="b">
+            <a:normAutofit/>
+          </a:bodyPr>
+          <a:lstStyle>
+            <a:lvl1pPr algn="ctr" defTabSz="914400" rtl="0" eaLnBrk="1" latinLnBrk="0" hangingPunct="1">
+              <a:lnSpc>
+                <a:spcPct val="90000"/>
+              </a:lnSpc>
+              <a:spcBef>
+                <a:spcPct val="0"/>
+              </a:spcBef>
+              <a:buNone/>
+              <a:defRPr sz="4400" b="1" kern="1200">
+                <a:solidFill>
+                  <a:schemeClr val="accent4"/>
+                </a:solidFill>
+                <a:latin typeface="+mj-lt"/>
+                <a:ea typeface="+mj-ea"/>
+                <a:cs typeface="+mj-cs"/>
+              </a:defRPr>
+            </a:lvl1pPr>
+          </a:lstStyle>
+          <a:p>
+            <a:pPr algn="l"/>
+            <a:r>
+              <a:rPr lang="en-US" dirty="0"/>
+              <a:t>5. Inference new model</a:t>
+            </a:r>
+          </a:p>
+        </p:txBody>
+      </p:sp>
+      <p:sp>
+        <p:nvSpPr>
+          <p:cNvPr id="2" name="Title 1">
+            <a:extLst>
+              <a:ext uri="{FF2B5EF4-FFF2-40B4-BE49-F238E27FC236}">
+                <a16:creationId xmlns:a16="http://schemas.microsoft.com/office/drawing/2014/main" id="{60B14F49-22D2-D0E7-DD5E-EAE85BB9ADFA}"/>
+              </a:ext>
+            </a:extLst>
+          </p:cNvPr>
+          <p:cNvSpPr txBox="1">
+            <a:spLocks/>
+          </p:cNvSpPr>
+          <p:nvPr/>
+        </p:nvSpPr>
+        <p:spPr>
+          <a:xfrm>
+            <a:off x="88782" y="1288525"/>
+            <a:ext cx="3646790" cy="456211"/>
+          </a:xfrm>
+          <a:prstGeom prst="rect">
+            <a:avLst/>
+          </a:prstGeom>
+        </p:spPr>
+        <p:txBody>
+          <a:bodyPr vert="horz" lIns="91440" tIns="45720" rIns="91440" bIns="45720" rtlCol="0" anchor="b">
+            <a:normAutofit fontScale="97500"/>
+          </a:bodyPr>
+          <a:lstStyle>
+            <a:lvl1pPr algn="ctr" defTabSz="914400" rtl="0" eaLnBrk="1" latinLnBrk="0" hangingPunct="1">
+              <a:lnSpc>
+                <a:spcPct val="90000"/>
+              </a:lnSpc>
+              <a:spcBef>
+                <a:spcPct val="0"/>
+              </a:spcBef>
+              <a:buNone/>
+              <a:defRPr sz="4400" b="1" kern="1200">
+                <a:solidFill>
+                  <a:schemeClr val="accent4"/>
+                </a:solidFill>
+                <a:latin typeface="+mj-lt"/>
+                <a:ea typeface="+mj-ea"/>
+                <a:cs typeface="+mj-cs"/>
+              </a:defRPr>
+            </a:lvl1pPr>
+          </a:lstStyle>
+          <a:p>
+            <a:pPr marL="457200" indent="-457200" algn="l">
+              <a:buFont typeface="Arial" panose="020B0604020202020204" pitchFamily="34" charset="0"/>
+              <a:buChar char="•"/>
+            </a:pPr>
+            <a:r>
+              <a:rPr lang="en-US" sz="2000" b="0" dirty="0"/>
+              <a:t>Loading</a:t>
+            </a:r>
+            <a:r>
+              <a:rPr lang="en-US" sz="1900" b="0" dirty="0"/>
+              <a:t> </a:t>
+            </a:r>
+          </a:p>
+        </p:txBody>
+      </p:sp>
+      <p:sp>
+        <p:nvSpPr>
+          <p:cNvPr id="3" name="TextBox 2">
+            <a:extLst>
+              <a:ext uri="{FF2B5EF4-FFF2-40B4-BE49-F238E27FC236}">
+                <a16:creationId xmlns:a16="http://schemas.microsoft.com/office/drawing/2014/main" id="{2C9A4D90-A08D-2E4A-2C21-639F49DCB2CC}"/>
+              </a:ext>
+            </a:extLst>
+          </p:cNvPr>
+          <p:cNvSpPr txBox="1"/>
+          <p:nvPr/>
+        </p:nvSpPr>
+        <p:spPr>
+          <a:xfrm>
+            <a:off x="4480047" y="4350707"/>
+            <a:ext cx="6177516" cy="2308324"/>
+          </a:xfrm>
+          <a:prstGeom prst="rect">
+            <a:avLst/>
+          </a:prstGeom>
+          <a:solidFill>
+            <a:schemeClr val="bg1">
+              <a:lumMod val="75000"/>
+            </a:schemeClr>
+          </a:solidFill>
+        </p:spPr>
+        <p:txBody>
+          <a:bodyPr wrap="square">
+            <a:spAutoFit/>
+          </a:bodyPr>
+          <a:lstStyle/>
+          <a:p>
+            <a:r>
+              <a:rPr lang="vi-VN" sz="1200" dirty="0"/>
+              <a:t># Test với một số ví dụ</a:t>
+            </a:r>
+          </a:p>
+          <a:p>
+            <a:r>
+              <a:rPr lang="vi-VN" sz="1200" dirty="0"/>
+              <a:t>    test_texts = [</a:t>
+            </a:r>
+          </a:p>
+          <a:p>
+            <a:r>
+              <a:rPr lang="vi-VN" sz="1200" dirty="0"/>
+              <a:t>        "This movie was absolutely fantastic! I loved every minute of it.",</a:t>
+            </a:r>
+          </a:p>
+          <a:p>
+            <a:r>
+              <a:rPr lang="vi-VN" sz="1200" dirty="0"/>
+              <a:t>        "What a terrible waste of time. I wouldn't recommend this to anyone."</a:t>
+            </a:r>
+          </a:p>
+          <a:p>
+            <a:r>
+              <a:rPr lang="vi-VN" sz="1200" dirty="0"/>
+              <a:t>    ]</a:t>
+            </a:r>
+          </a:p>
+          <a:p>
+            <a:r>
+              <a:rPr lang="vi-VN" sz="1200" dirty="0"/>
+              <a:t>    </a:t>
+            </a:r>
+          </a:p>
+          <a:p>
+            <a:r>
+              <a:rPr lang="vi-VN" sz="1200" dirty="0"/>
+              <a:t>    print("\nTest dự đoán với một số ví dụ:")</a:t>
+            </a:r>
+          </a:p>
+          <a:p>
+            <a:r>
+              <a:rPr lang="vi-VN" sz="1200" dirty="0"/>
+              <a:t>    for text in test_texts:</a:t>
+            </a:r>
+          </a:p>
+          <a:p>
+            <a:r>
+              <a:rPr lang="vi-VN" sz="1200" dirty="0"/>
+              <a:t>        result = predict_sentiment(text, model, tokenizer)</a:t>
+            </a:r>
+          </a:p>
+          <a:p>
+            <a:r>
+              <a:rPr lang="vi-VN" sz="1200" dirty="0"/>
+              <a:t>        print(f"\nText: {result['text']}")</a:t>
+            </a:r>
+          </a:p>
+          <a:p>
+            <a:r>
+              <a:rPr lang="vi-VN" sz="1200" dirty="0"/>
+              <a:t>        print(f"Sentiment: {result['sentiment']}")</a:t>
+            </a:r>
+          </a:p>
+          <a:p>
+            <a:r>
+              <a:rPr lang="vi-VN" sz="1200" dirty="0"/>
+              <a:t>        print(f"Confidence: {result['confidence']:.4f}")</a:t>
+            </a:r>
+            <a:endParaRPr lang="en-US" sz="1200" dirty="0"/>
+          </a:p>
+        </p:txBody>
+      </p:sp>
+      <p:sp>
+        <p:nvSpPr>
+          <p:cNvPr id="6" name="TextBox 5">
+            <a:extLst>
+              <a:ext uri="{FF2B5EF4-FFF2-40B4-BE49-F238E27FC236}">
+                <a16:creationId xmlns:a16="http://schemas.microsoft.com/office/drawing/2014/main" id="{93E8C4B1-87AC-20F9-836A-27222F165C60}"/>
+              </a:ext>
+            </a:extLst>
+          </p:cNvPr>
+          <p:cNvSpPr txBox="1"/>
+          <p:nvPr/>
+        </p:nvSpPr>
+        <p:spPr>
+          <a:xfrm>
+            <a:off x="4480047" y="1185743"/>
+            <a:ext cx="6177516" cy="3046988"/>
+          </a:xfrm>
+          <a:prstGeom prst="rect">
+            <a:avLst/>
+          </a:prstGeom>
+          <a:solidFill>
+            <a:schemeClr val="bg1">
+              <a:lumMod val="75000"/>
+            </a:schemeClr>
+          </a:solidFill>
+        </p:spPr>
+        <p:txBody>
+          <a:bodyPr wrap="square">
+            <a:spAutoFit/>
+          </a:bodyPr>
+          <a:lstStyle/>
+          <a:p>
+            <a:r>
+              <a:rPr lang="vi-VN" sz="1200" dirty="0"/>
+              <a:t>from transformers import XLMRobertaTokenizer, XLMRobertaForSequenceClassification</a:t>
+            </a:r>
+          </a:p>
+          <a:p>
+            <a:r>
+              <a:rPr lang="vi-VN" sz="1200" dirty="0"/>
+              <a:t>import torch</a:t>
+            </a:r>
+          </a:p>
+          <a:p>
+            <a:endParaRPr lang="vi-VN" sz="1200" dirty="0"/>
+          </a:p>
+          <a:p>
+            <a:r>
+              <a:rPr lang="vi-VN" sz="1200" dirty="0"/>
+              <a:t>def load_model(model_path="./imdb-xlm-roberta"):</a:t>
+            </a:r>
+          </a:p>
+          <a:p>
+            <a:r>
+              <a:rPr lang="vi-VN" sz="1200" dirty="0"/>
+              <a:t>    """</a:t>
+            </a:r>
+          </a:p>
+          <a:p>
+            <a:r>
+              <a:rPr lang="vi-VN" sz="1200" dirty="0"/>
+              <a:t>    Load model và tokenizer đã lưu</a:t>
+            </a:r>
+          </a:p>
+          <a:p>
+            <a:r>
+              <a:rPr lang="vi-VN" sz="1200" dirty="0"/>
+              <a:t>    """</a:t>
+            </a:r>
+          </a:p>
+          <a:p>
+            <a:r>
+              <a:rPr lang="vi-VN" sz="1200" dirty="0"/>
+              <a:t>    try:</a:t>
+            </a:r>
+          </a:p>
+          <a:p>
+            <a:r>
+              <a:rPr lang="vi-VN" sz="1200" dirty="0"/>
+              <a:t>        # Load tokenizer và model</a:t>
+            </a:r>
+          </a:p>
+          <a:p>
+            <a:r>
+              <a:rPr lang="vi-VN" sz="1200" dirty="0"/>
+              <a:t>        tokenizer = XLMRobertaTokenizer.from_pretrained(model_path)</a:t>
+            </a:r>
+          </a:p>
+          <a:p>
+            <a:r>
+              <a:rPr lang="vi-VN" sz="1200" dirty="0"/>
+              <a:t>        model = XLMRobertaForSequenceClassification.from_pretrained(model_path)</a:t>
+            </a:r>
+          </a:p>
+          <a:p>
+            <a:r>
+              <a:rPr lang="vi-VN" sz="1200" dirty="0"/>
+              <a:t>        print(f"Đã load model thành công từ {model_path}")</a:t>
+            </a:r>
+          </a:p>
+          <a:p>
+            <a:r>
+              <a:rPr lang="vi-VN" sz="1200" dirty="0"/>
+              <a:t>        return model, tokenizer</a:t>
+            </a:r>
+          </a:p>
+          <a:p>
+            <a:r>
+              <a:rPr lang="vi-VN" sz="1200" dirty="0"/>
+              <a:t>    except Exception as e:</a:t>
+            </a:r>
+          </a:p>
+          <a:p>
+            <a:r>
+              <a:rPr lang="vi-VN" sz="1200" dirty="0"/>
+              <a:t>        print(f"Lỗi khi load model: {str(e)}")</a:t>
+            </a:r>
+          </a:p>
+          <a:p>
+            <a:r>
+              <a:rPr lang="vi-VN" sz="1200" dirty="0"/>
+              <a:t>        return None, None</a:t>
+            </a:r>
+            <a:endParaRPr lang="en-US" sz="1200" dirty="0"/>
+          </a:p>
+        </p:txBody>
+      </p:sp>
+      <p:sp>
+        <p:nvSpPr>
+          <p:cNvPr id="8" name="Title 1">
+            <a:extLst>
+              <a:ext uri="{FF2B5EF4-FFF2-40B4-BE49-F238E27FC236}">
+                <a16:creationId xmlns:a16="http://schemas.microsoft.com/office/drawing/2014/main" id="{1C4A0710-6305-6FFC-3AA7-8A9A12737D10}"/>
+              </a:ext>
+            </a:extLst>
+          </p:cNvPr>
+          <p:cNvSpPr txBox="1">
+            <a:spLocks/>
+          </p:cNvSpPr>
+          <p:nvPr/>
+        </p:nvSpPr>
+        <p:spPr>
+          <a:xfrm>
+            <a:off x="200424" y="4122601"/>
+            <a:ext cx="3646790" cy="456211"/>
+          </a:xfrm>
+          <a:prstGeom prst="rect">
+            <a:avLst/>
+          </a:prstGeom>
+        </p:spPr>
+        <p:txBody>
+          <a:bodyPr vert="horz" lIns="91440" tIns="45720" rIns="91440" bIns="45720" rtlCol="0" anchor="b">
+            <a:normAutofit fontScale="97500"/>
+          </a:bodyPr>
+          <a:lstStyle>
+            <a:lvl1pPr algn="ctr" defTabSz="914400" rtl="0" eaLnBrk="1" latinLnBrk="0" hangingPunct="1">
+              <a:lnSpc>
+                <a:spcPct val="90000"/>
+              </a:lnSpc>
+              <a:spcBef>
+                <a:spcPct val="0"/>
+              </a:spcBef>
+              <a:buNone/>
+              <a:defRPr sz="4400" b="1" kern="1200">
+                <a:solidFill>
+                  <a:schemeClr val="accent4"/>
+                </a:solidFill>
+                <a:latin typeface="+mj-lt"/>
+                <a:ea typeface="+mj-ea"/>
+                <a:cs typeface="+mj-cs"/>
+              </a:defRPr>
+            </a:lvl1pPr>
+          </a:lstStyle>
+          <a:p>
+            <a:pPr marL="457200" indent="-457200" algn="l">
+              <a:buFont typeface="Arial" panose="020B0604020202020204" pitchFamily="34" charset="0"/>
+              <a:buChar char="•"/>
+            </a:pPr>
+            <a:r>
+              <a:rPr lang="en-US" sz="2000" b="0" dirty="0"/>
+              <a:t>Testing</a:t>
+            </a:r>
+            <a:r>
+              <a:rPr lang="en-US" sz="1900" b="0" dirty="0"/>
+              <a:t> </a:t>
+            </a:r>
+          </a:p>
+        </p:txBody>
+      </p:sp>
+    </p:spTree>
+    <p:extLst>
+      <p:ext uri="{BB962C8B-B14F-4D97-AF65-F5344CB8AC3E}">
+        <p14:creationId xmlns:p14="http://schemas.microsoft.com/office/powerpoint/2010/main" val="3347538919"/>
+      </p:ext>
+    </p:extLst>
+  </p:cSld>
+  <p:clrMapOvr>
+    <a:masterClrMapping/>
+  </p:clrMapOvr>
+</p:sld>
+</file>
+
+<file path=ppt/slides/slide12.xml><?xml version="1.0" encoding="utf-8"?>
+<p:sld xmlns:a="http://schemas.openxmlformats.org/drawingml/2006/main" xmlns:r="http://schemas.openxmlformats.org/officeDocument/2006/relationships" xmlns:p="http://schemas.openxmlformats.org/presentationml/2006/main">
+  <p:cSld>
+    <p:spTree>
+      <p:nvGrpSpPr>
         <p:cNvPr id="1" name=""/>
         <p:cNvGrpSpPr/>
         <p:nvPr/>
@@ -9969,7 +10407,7 @@
             <a:fld id="{B5CEABB6-07DC-46E8-9B57-56EC44A396E5}" type="slidenum">
               <a:rPr lang="en-US" smtClean="0"/>
               <a:pPr/>
-              <a:t>11</a:t>
+              <a:t>12</a:t>
             </a:fld>
             <a:endParaRPr lang="en-US" dirty="0"/>
           </a:p>
@@ -9988,7 +10426,7 @@
 </p:sld>
 </file>
 
-<file path=ppt/slides/slide12.xml><?xml version="1.0" encoding="utf-8"?>
+<file path=ppt/slides/slide13.xml><?xml version="1.0" encoding="utf-8"?>
 <p:sld xmlns:a="http://schemas.openxmlformats.org/drawingml/2006/main" xmlns:r="http://schemas.openxmlformats.org/officeDocument/2006/relationships" xmlns:p="http://schemas.openxmlformats.org/presentationml/2006/main">
   <p:cSld>
     <p:bg>
@@ -10146,7 +10584,7 @@
 </p:sld>
 </file>
 
-<file path=ppt/slides/slide13.xml><?xml version="1.0" encoding="utf-8"?>
+<file path=ppt/slides/slide14.xml><?xml version="1.0" encoding="utf-8"?>
 <p:sld xmlns:a="http://schemas.openxmlformats.org/drawingml/2006/main" xmlns:r="http://schemas.openxmlformats.org/officeDocument/2006/relationships" xmlns:p="http://schemas.openxmlformats.org/presentationml/2006/main">
   <p:cSld>
     <p:spTree>
@@ -10327,7 +10765,7 @@
             <a:fld id="{B5CEABB6-07DC-46E8-9B57-56EC44A396E5}" type="slidenum">
               <a:rPr lang="en-US" smtClean="0"/>
               <a:pPr/>
-              <a:t>13</a:t>
+              <a:t>14</a:t>
             </a:fld>
             <a:endParaRPr lang="en-US" dirty="0"/>
           </a:p>
@@ -10477,6 +10915,16 @@
               <a:t>roberta</a:t>
             </a:r>
             <a:endParaRPr lang="en-US" dirty="0"/>
+          </a:p>
+          <a:p>
+            <a:pPr marL="342900" indent="-342900">
+              <a:buFont typeface="+mj-lt"/>
+              <a:buAutoNum type="arabicPeriod"/>
+            </a:pPr>
+            <a:r>
+              <a:rPr lang="en-US" dirty="0"/>
+              <a:t>Inference new model</a:t>
+            </a:r>
           </a:p>
         </p:txBody>
       </p:sp>

--- a/Natural Language Processing.pptx
+++ b/Natural Language Processing.pptx
@@ -10566,7 +10566,7 @@
                   <a:schemeClr val="bg1"/>
                 </a:solidFill>
               </a:rPr>
-              <a:t>Roberta code: main/roberta.py </a:t>
+              <a:t>Roberta code: main/roberta.py, main/ imdb-roberta-testing.py</a:t>
             </a:r>
           </a:p>
         </p:txBody>

--- a/Natural Language Processing.pptx
+++ b/Natural Language Processing.pptx
@@ -5,7 +5,7 @@
     <p:sldMasterId id="2147483648" r:id="rId4"/>
   </p:sldMasterIdLst>
   <p:notesMasterIdLst>
-    <p:notesMasterId r:id="rId19"/>
+    <p:notesMasterId r:id="rId20"/>
   </p:notesMasterIdLst>
   <p:sldIdLst>
     <p:sldId id="256" r:id="rId5"/>
@@ -19,9 +19,10 @@
     <p:sldId id="295" r:id="rId13"/>
     <p:sldId id="296" r:id="rId14"/>
     <p:sldId id="297" r:id="rId15"/>
-    <p:sldId id="287" r:id="rId16"/>
-    <p:sldId id="258" r:id="rId17"/>
-    <p:sldId id="289" r:id="rId18"/>
+    <p:sldId id="298" r:id="rId16"/>
+    <p:sldId id="287" r:id="rId17"/>
+    <p:sldId id="258" r:id="rId18"/>
+    <p:sldId id="289" r:id="rId19"/>
   </p:sldIdLst>
   <p:sldSz cx="12192000" cy="6858000"/>
   <p:notesSz cx="6858000" cy="9144000"/>
@@ -8868,7 +8869,7 @@
             <a:pPr algn="ctr"/>
             <a:r>
               <a:rPr lang="en-US" sz="4000" dirty="0"/>
-              <a:t>Applications of NLP: fine tune model and case study Question Answering</a:t>
+              <a:t>Applications of NLP: fine tune model and case study</a:t>
             </a:r>
             <a:br>
               <a:rPr lang="en-US" dirty="0"/>
@@ -9917,7 +9918,7 @@
           <a:p>
             <a:r>
               <a:rPr lang="vi-VN" sz="1200" dirty="0"/>
-              <a:t># Test với một số ví dụ</a:t>
+              <a:t># Test vớ một số ví dụ</a:t>
             </a:r>
           </a:p>
           <a:p>
@@ -10169,7 +10170,7 @@
             </a:pPr>
             <a:r>
               <a:rPr lang="en-US" sz="2000" b="0" dirty="0"/>
-              <a:t>Testing</a:t>
+              <a:t>Testing code</a:t>
             </a:r>
             <a:r>
               <a:rPr lang="en-US" sz="1900" b="0" dirty="0"/>
@@ -10196,6 +10197,286 @@
   <p:cSld>
     <p:spTree>
       <p:nvGrpSpPr>
+        <p:cNvPr id="1" name="">
+          <a:extLst>
+            <a:ext uri="{FF2B5EF4-FFF2-40B4-BE49-F238E27FC236}">
+              <a16:creationId xmlns:a16="http://schemas.microsoft.com/office/drawing/2014/main" id="{27BEBB3F-FFD8-E65D-B92E-96DD7EBFD9AF}"/>
+            </a:ext>
+          </a:extLst>
+        </p:cNvPr>
+        <p:cNvGrpSpPr/>
+        <p:nvPr/>
+      </p:nvGrpSpPr>
+      <p:grpSpPr>
+        <a:xfrm>
+          <a:off x="0" y="0"/>
+          <a:ext cx="0" cy="0"/>
+          <a:chOff x="0" y="0"/>
+          <a:chExt cx="0" cy="0"/>
+        </a:xfrm>
+      </p:grpSpPr>
+      <p:sp>
+        <p:nvSpPr>
+          <p:cNvPr id="11" name="Date Placeholder 10">
+            <a:extLst>
+              <a:ext uri="{FF2B5EF4-FFF2-40B4-BE49-F238E27FC236}">
+                <a16:creationId xmlns:a16="http://schemas.microsoft.com/office/drawing/2014/main" id="{83B9F5F6-6FA5-248F-E024-2425FC045568}"/>
+              </a:ext>
+            </a:extLst>
+          </p:cNvPr>
+          <p:cNvSpPr>
+            <a:spLocks noGrp="1"/>
+          </p:cNvSpPr>
+          <p:nvPr>
+            <p:ph type="dt" sz="half" idx="10"/>
+          </p:nvPr>
+        </p:nvSpPr>
+        <p:spPr/>
+        <p:txBody>
+          <a:bodyPr/>
+          <a:lstStyle/>
+          <a:p>
+            <a:r>
+              <a:rPr lang="en-US" dirty="0"/>
+              <a:t>28/10/2024</a:t>
+            </a:r>
+          </a:p>
+        </p:txBody>
+      </p:sp>
+      <p:sp>
+        <p:nvSpPr>
+          <p:cNvPr id="5" name="Footer Placeholder 4">
+            <a:extLst>
+              <a:ext uri="{FF2B5EF4-FFF2-40B4-BE49-F238E27FC236}">
+                <a16:creationId xmlns:a16="http://schemas.microsoft.com/office/drawing/2014/main" id="{146DD545-5DC5-EF80-3D1C-ACA7F1AB997A}"/>
+              </a:ext>
+            </a:extLst>
+          </p:cNvPr>
+          <p:cNvSpPr>
+            <a:spLocks noGrp="1"/>
+          </p:cNvSpPr>
+          <p:nvPr>
+            <p:ph type="ftr" sz="quarter" idx="11"/>
+          </p:nvPr>
+        </p:nvSpPr>
+        <p:spPr>
+          <a:xfrm>
+            <a:off x="4038600" y="6356350"/>
+            <a:ext cx="4114800" cy="365125"/>
+          </a:xfrm>
+        </p:spPr>
+        <p:txBody>
+          <a:bodyPr/>
+          <a:lstStyle/>
+          <a:p>
+            <a:r>
+              <a:rPr lang="en-US" sz="900" dirty="0"/>
+              <a:t>Applications of NLP</a:t>
+            </a:r>
+            <a:endParaRPr lang="en-ZA" dirty="0"/>
+          </a:p>
+        </p:txBody>
+      </p:sp>
+      <p:sp>
+        <p:nvSpPr>
+          <p:cNvPr id="4" name="Slide Number Placeholder 3">
+            <a:extLst>
+              <a:ext uri="{FF2B5EF4-FFF2-40B4-BE49-F238E27FC236}">
+                <a16:creationId xmlns:a16="http://schemas.microsoft.com/office/drawing/2014/main" id="{20DD5FFE-88CF-7236-3F7C-B3FD318693C3}"/>
+              </a:ext>
+            </a:extLst>
+          </p:cNvPr>
+          <p:cNvSpPr>
+            <a:spLocks noGrp="1"/>
+          </p:cNvSpPr>
+          <p:nvPr>
+            <p:ph type="sldNum" sz="quarter" idx="12"/>
+          </p:nvPr>
+        </p:nvSpPr>
+        <p:spPr>
+          <a:xfrm>
+            <a:off x="8610600" y="6356350"/>
+            <a:ext cx="2743200" cy="365125"/>
+          </a:xfrm>
+        </p:spPr>
+        <p:txBody>
+          <a:bodyPr/>
+          <a:lstStyle/>
+          <a:p>
+            <a:fld id="{19B51A1E-902D-48AF-9020-955120F399B6}" type="slidenum">
+              <a:rPr lang="en-ZA" smtClean="0"/>
+              <a:pPr/>
+              <a:t>12</a:t>
+            </a:fld>
+            <a:endParaRPr lang="en-ZA" dirty="0"/>
+          </a:p>
+        </p:txBody>
+      </p:sp>
+      <p:sp>
+        <p:nvSpPr>
+          <p:cNvPr id="7" name="Title 1">
+            <a:extLst>
+              <a:ext uri="{FF2B5EF4-FFF2-40B4-BE49-F238E27FC236}">
+                <a16:creationId xmlns:a16="http://schemas.microsoft.com/office/drawing/2014/main" id="{6B60DACC-86A6-4DC6-D9B2-1F1A64A1D06A}"/>
+              </a:ext>
+            </a:extLst>
+          </p:cNvPr>
+          <p:cNvSpPr txBox="1">
+            <a:spLocks/>
+          </p:cNvSpPr>
+          <p:nvPr/>
+        </p:nvSpPr>
+        <p:spPr>
+          <a:xfrm>
+            <a:off x="88782" y="136525"/>
+            <a:ext cx="11876390" cy="739145"/>
+          </a:xfrm>
+          <a:prstGeom prst="rect">
+            <a:avLst/>
+          </a:prstGeom>
+        </p:spPr>
+        <p:txBody>
+          <a:bodyPr vert="horz" lIns="91440" tIns="45720" rIns="91440" bIns="45720" rtlCol="0" anchor="b">
+            <a:normAutofit/>
+          </a:bodyPr>
+          <a:lstStyle>
+            <a:lvl1pPr algn="ctr" defTabSz="914400" rtl="0" eaLnBrk="1" latinLnBrk="0" hangingPunct="1">
+              <a:lnSpc>
+                <a:spcPct val="90000"/>
+              </a:lnSpc>
+              <a:spcBef>
+                <a:spcPct val="0"/>
+              </a:spcBef>
+              <a:buNone/>
+              <a:defRPr sz="4400" b="1" kern="1200">
+                <a:solidFill>
+                  <a:schemeClr val="accent4"/>
+                </a:solidFill>
+                <a:latin typeface="+mj-lt"/>
+                <a:ea typeface="+mj-ea"/>
+                <a:cs typeface="+mj-cs"/>
+              </a:defRPr>
+            </a:lvl1pPr>
+          </a:lstStyle>
+          <a:p>
+            <a:pPr algn="l"/>
+            <a:r>
+              <a:rPr lang="en-US" dirty="0"/>
+              <a:t>Inference new model</a:t>
+            </a:r>
+          </a:p>
+        </p:txBody>
+      </p:sp>
+      <p:sp>
+        <p:nvSpPr>
+          <p:cNvPr id="8" name="Title 1">
+            <a:extLst>
+              <a:ext uri="{FF2B5EF4-FFF2-40B4-BE49-F238E27FC236}">
+                <a16:creationId xmlns:a16="http://schemas.microsoft.com/office/drawing/2014/main" id="{F05B32EE-E68C-148D-1D18-634C8667DC9D}"/>
+              </a:ext>
+            </a:extLst>
+          </p:cNvPr>
+          <p:cNvSpPr txBox="1">
+            <a:spLocks/>
+          </p:cNvSpPr>
+          <p:nvPr/>
+        </p:nvSpPr>
+        <p:spPr>
+          <a:xfrm>
+            <a:off x="172071" y="1343959"/>
+            <a:ext cx="3646790" cy="456211"/>
+          </a:xfrm>
+          <a:prstGeom prst="rect">
+            <a:avLst/>
+          </a:prstGeom>
+        </p:spPr>
+        <p:txBody>
+          <a:bodyPr vert="horz" lIns="91440" tIns="45720" rIns="91440" bIns="45720" rtlCol="0" anchor="b">
+            <a:normAutofit fontScale="97500"/>
+          </a:bodyPr>
+          <a:lstStyle>
+            <a:lvl1pPr algn="ctr" defTabSz="914400" rtl="0" eaLnBrk="1" latinLnBrk="0" hangingPunct="1">
+              <a:lnSpc>
+                <a:spcPct val="90000"/>
+              </a:lnSpc>
+              <a:spcBef>
+                <a:spcPct val="0"/>
+              </a:spcBef>
+              <a:buNone/>
+              <a:defRPr sz="4400" b="1" kern="1200">
+                <a:solidFill>
+                  <a:schemeClr val="accent4"/>
+                </a:solidFill>
+                <a:latin typeface="+mj-lt"/>
+                <a:ea typeface="+mj-ea"/>
+                <a:cs typeface="+mj-cs"/>
+              </a:defRPr>
+            </a:lvl1pPr>
+          </a:lstStyle>
+          <a:p>
+            <a:pPr marL="457200" indent="-457200" algn="l">
+              <a:buFont typeface="Arial" panose="020B0604020202020204" pitchFamily="34" charset="0"/>
+              <a:buChar char="•"/>
+            </a:pPr>
+            <a:r>
+              <a:rPr lang="en-US" sz="2000" b="0" dirty="0"/>
+              <a:t>Testing result</a:t>
+            </a:r>
+            <a:r>
+              <a:rPr lang="en-US" sz="1900" b="0" dirty="0"/>
+              <a:t> </a:t>
+            </a:r>
+          </a:p>
+        </p:txBody>
+      </p:sp>
+      <p:pic>
+        <p:nvPicPr>
+          <p:cNvPr id="10" name="Picture 9">
+            <a:extLst>
+              <a:ext uri="{FF2B5EF4-FFF2-40B4-BE49-F238E27FC236}">
+                <a16:creationId xmlns:a16="http://schemas.microsoft.com/office/drawing/2014/main" id="{137DA2C3-88EB-6EB4-5680-875048307155}"/>
+              </a:ext>
+            </a:extLst>
+          </p:cNvPr>
+          <p:cNvPicPr>
+            <a:picLocks noChangeAspect="1"/>
+          </p:cNvPicPr>
+          <p:nvPr/>
+        </p:nvPicPr>
+        <p:blipFill>
+          <a:blip r:embed="rId2"/>
+          <a:stretch>
+            <a:fillRect/>
+          </a:stretch>
+        </p:blipFill>
+        <p:spPr>
+          <a:xfrm>
+            <a:off x="838200" y="1933470"/>
+            <a:ext cx="9050079" cy="3779758"/>
+          </a:xfrm>
+          <a:prstGeom prst="rect">
+            <a:avLst/>
+          </a:prstGeom>
+        </p:spPr>
+      </p:pic>
+    </p:spTree>
+    <p:extLst>
+      <p:ext uri="{BB962C8B-B14F-4D97-AF65-F5344CB8AC3E}">
+        <p14:creationId xmlns:p14="http://schemas.microsoft.com/office/powerpoint/2010/main" val="3778140982"/>
+      </p:ext>
+    </p:extLst>
+  </p:cSld>
+  <p:clrMapOvr>
+    <a:masterClrMapping/>
+  </p:clrMapOvr>
+</p:sld>
+</file>
+
+<file path=ppt/slides/slide13.xml><?xml version="1.0" encoding="utf-8"?>
+<p:sld xmlns:a="http://schemas.openxmlformats.org/drawingml/2006/main" xmlns:r="http://schemas.openxmlformats.org/officeDocument/2006/relationships" xmlns:p="http://schemas.openxmlformats.org/presentationml/2006/main">
+  <p:cSld>
+    <p:spTree>
+      <p:nvGrpSpPr>
         <p:cNvPr id="1" name=""/>
         <p:cNvGrpSpPr/>
         <p:nvPr/>
@@ -10407,7 +10688,7 @@
             <a:fld id="{B5CEABB6-07DC-46E8-9B57-56EC44A396E5}" type="slidenum">
               <a:rPr lang="en-US" smtClean="0"/>
               <a:pPr/>
-              <a:t>12</a:t>
+              <a:t>13</a:t>
             </a:fld>
             <a:endParaRPr lang="en-US" dirty="0"/>
           </a:p>
@@ -10426,7 +10707,7 @@
 </p:sld>
 </file>
 
-<file path=ppt/slides/slide13.xml><?xml version="1.0" encoding="utf-8"?>
+<file path=ppt/slides/slide14.xml><?xml version="1.0" encoding="utf-8"?>
 <p:sld xmlns:a="http://schemas.openxmlformats.org/drawingml/2006/main" xmlns:r="http://schemas.openxmlformats.org/officeDocument/2006/relationships" xmlns:p="http://schemas.openxmlformats.org/presentationml/2006/main">
   <p:cSld>
     <p:bg>
@@ -10584,7 +10865,7 @@
 </p:sld>
 </file>
 
-<file path=ppt/slides/slide14.xml><?xml version="1.0" encoding="utf-8"?>
+<file path=ppt/slides/slide15.xml><?xml version="1.0" encoding="utf-8"?>
 <p:sld xmlns:a="http://schemas.openxmlformats.org/drawingml/2006/main" xmlns:r="http://schemas.openxmlformats.org/officeDocument/2006/relationships" xmlns:p="http://schemas.openxmlformats.org/presentationml/2006/main">
   <p:cSld>
     <p:spTree>
@@ -10765,7 +11046,7 @@
             <a:fld id="{B5CEABB6-07DC-46E8-9B57-56EC44A396E5}" type="slidenum">
               <a:rPr lang="en-US" smtClean="0"/>
               <a:pPr/>
-              <a:t>14</a:t>
+              <a:t>15</a:t>
             </a:fld>
             <a:endParaRPr lang="en-US" dirty="0"/>
           </a:p>

--- a/Natural Language Processing.pptx
+++ b/Natural Language Processing.pptx
@@ -5,7 +5,7 @@
     <p:sldMasterId id="2147483648" r:id="rId4"/>
   </p:sldMasterIdLst>
   <p:notesMasterIdLst>
-    <p:notesMasterId r:id="rId20"/>
+    <p:notesMasterId r:id="rId21"/>
   </p:notesMasterIdLst>
   <p:sldIdLst>
     <p:sldId id="256" r:id="rId5"/>
@@ -21,8 +21,9 @@
     <p:sldId id="297" r:id="rId15"/>
     <p:sldId id="298" r:id="rId16"/>
     <p:sldId id="287" r:id="rId17"/>
-    <p:sldId id="258" r:id="rId18"/>
-    <p:sldId id="289" r:id="rId19"/>
+    <p:sldId id="299" r:id="rId18"/>
+    <p:sldId id="258" r:id="rId19"/>
+    <p:sldId id="289" r:id="rId20"/>
   </p:sldIdLst>
   <p:sldSz cx="12192000" cy="6858000"/>
   <p:notesSz cx="6858000" cy="9144000"/>
@@ -10519,26 +10520,7 @@
           <a:p>
             <a:r>
               <a:rPr lang="en-US" dirty="0"/>
-              <a:t>Model</a:t>
-            </a:r>
-            <a:br>
-              <a:rPr lang="en-US" dirty="0"/>
-            </a:br>
-            <a:r>
-              <a:rPr lang="en-US" dirty="0" err="1"/>
-              <a:t>Fsoft</a:t>
-            </a:r>
-            <a:r>
-              <a:rPr lang="en-US" dirty="0"/>
-              <a:t>-AIC/</a:t>
-            </a:r>
-            <a:r>
-              <a:rPr lang="en-US" dirty="0" err="1"/>
-              <a:t>videberta</a:t>
-            </a:r>
-            <a:r>
-              <a:rPr lang="en-US" dirty="0"/>
-              <a:t>-base</a:t>
+              <a:t>Using squad dataset fine tune Roberta model for Question and Answer</a:t>
             </a:r>
             <a:endParaRPr lang="en-ZA" dirty="0"/>
           </a:p>
@@ -10562,47 +10544,48 @@
         </p:nvSpPr>
         <p:spPr>
           <a:xfrm>
-            <a:off x="5646420" y="2320338"/>
-            <a:ext cx="5013960" cy="1819271"/>
+            <a:off x="4883888" y="2320338"/>
+            <a:ext cx="5776492" cy="1819271"/>
           </a:xfrm>
         </p:spPr>
         <p:txBody>
           <a:bodyPr vert="horz" lIns="91440" tIns="45720" rIns="91440" bIns="45720" rtlCol="0" anchor="t">
-            <a:normAutofit/>
+            <a:normAutofit fontScale="92500" lnSpcReduction="10000"/>
           </a:bodyPr>
           <a:lstStyle/>
           <a:p>
             <a:r>
+              <a:rPr lang="en-US" dirty="0"/>
+              <a:t>Stanford Question Answering Dataset (</a:t>
+            </a:r>
+            <a:r>
               <a:rPr lang="en-US" dirty="0" err="1"/>
-              <a:t>ViDeBERTa</a:t>
+              <a:t>SQuAD</a:t>
             </a:r>
             <a:r>
               <a:rPr lang="en-US" dirty="0"/>
-              <a:t>, a new pre-trained monolingual language model for Vietnamese, with three versions - </a:t>
+              <a:t>) is a reading comprehension dataset, consisting of questions posed by </a:t>
             </a:r>
             <a:r>
               <a:rPr lang="en-US" dirty="0" err="1"/>
-              <a:t>ViDeBERTa_xsmall</a:t>
+              <a:t>crowdworkers</a:t>
             </a:r>
             <a:r>
               <a:rPr lang="en-US" dirty="0"/>
-              <a:t>, </a:t>
-            </a:r>
+              <a:t> on a set of Wikipedia articles, where the answer to every question is a segment of text, or span, from the corresponding reading passage, or the question might be unanswerable.</a:t>
+            </a:r>
+          </a:p>
+          <a:p>
+            <a:endParaRPr lang="en-US" dirty="0"/>
+          </a:p>
+          <a:p>
             <a:r>
               <a:rPr lang="en-US" dirty="0" err="1"/>
-              <a:t>ViDeBERTa_base</a:t>
+              <a:t>SQuAD</a:t>
             </a:r>
             <a:r>
               <a:rPr lang="en-US" dirty="0"/>
-              <a:t>, and </a:t>
-            </a:r>
-            <a:r>
-              <a:rPr lang="en-US" dirty="0" err="1"/>
-              <a:t>ViDeBERTa_large</a:t>
-            </a:r>
-            <a:r>
-              <a:rPr lang="en-US" dirty="0"/>
-              <a:t>, which are pre-trained on 138GB of Vietnamese text of high-quality and diverse Vietnamese text using DeBERTaV3 architecture.</a:t>
+              <a:t> 1.1 contains 100,000+ question-answer pairs on 500+ articles</a:t>
             </a:r>
           </a:p>
         </p:txBody>
@@ -10708,6 +10691,247 @@
 </file>
 
 <file path=ppt/slides/slide14.xml><?xml version="1.0" encoding="utf-8"?>
+<p:sld xmlns:a="http://schemas.openxmlformats.org/drawingml/2006/main" xmlns:r="http://schemas.openxmlformats.org/officeDocument/2006/relationships" xmlns:p="http://schemas.openxmlformats.org/presentationml/2006/main">
+  <p:cSld>
+    <p:spTree>
+      <p:nvGrpSpPr>
+        <p:cNvPr id="1" name="">
+          <a:extLst>
+            <a:ext uri="{FF2B5EF4-FFF2-40B4-BE49-F238E27FC236}">
+              <a16:creationId xmlns:a16="http://schemas.microsoft.com/office/drawing/2014/main" id="{184A12EB-0F93-753B-228B-7620FF388536}"/>
+            </a:ext>
+          </a:extLst>
+        </p:cNvPr>
+        <p:cNvGrpSpPr/>
+        <p:nvPr/>
+      </p:nvGrpSpPr>
+      <p:grpSpPr>
+        <a:xfrm>
+          <a:off x="0" y="0"/>
+          <a:ext cx="0" cy="0"/>
+          <a:chOff x="0" y="0"/>
+          <a:chExt cx="0" cy="0"/>
+        </a:xfrm>
+      </p:grpSpPr>
+      <p:sp>
+        <p:nvSpPr>
+          <p:cNvPr id="2" name="Title 1">
+            <a:extLst>
+              <a:ext uri="{FF2B5EF4-FFF2-40B4-BE49-F238E27FC236}">
+                <a16:creationId xmlns:a16="http://schemas.microsoft.com/office/drawing/2014/main" id="{E176D873-63C8-F4E2-EB05-2DCF59A8A93C}"/>
+              </a:ext>
+            </a:extLst>
+          </p:cNvPr>
+          <p:cNvSpPr>
+            <a:spLocks noGrp="1"/>
+          </p:cNvSpPr>
+          <p:nvPr>
+            <p:ph type="title"/>
+          </p:nvPr>
+        </p:nvSpPr>
+        <p:spPr>
+          <a:xfrm>
+            <a:off x="4642884" y="881159"/>
+            <a:ext cx="6104152" cy="1325563"/>
+          </a:xfrm>
+        </p:spPr>
+        <p:txBody>
+          <a:bodyPr>
+            <a:normAutofit fontScale="90000"/>
+          </a:bodyPr>
+          <a:lstStyle/>
+          <a:p>
+            <a:r>
+              <a:rPr lang="en-US" dirty="0"/>
+              <a:t>Model</a:t>
+            </a:r>
+            <a:br>
+              <a:rPr lang="en-US" dirty="0"/>
+            </a:br>
+            <a:r>
+              <a:rPr lang="en-US" dirty="0" err="1"/>
+              <a:t>Fsoft</a:t>
+            </a:r>
+            <a:r>
+              <a:rPr lang="en-US" dirty="0"/>
+              <a:t>-AIC/</a:t>
+            </a:r>
+            <a:r>
+              <a:rPr lang="en-US" dirty="0" err="1"/>
+              <a:t>videberta</a:t>
+            </a:r>
+            <a:r>
+              <a:rPr lang="en-US" dirty="0"/>
+              <a:t>-base</a:t>
+            </a:r>
+            <a:endParaRPr lang="en-ZA" dirty="0"/>
+          </a:p>
+        </p:txBody>
+      </p:sp>
+      <p:sp>
+        <p:nvSpPr>
+          <p:cNvPr id="3" name="Subtitle 2">
+            <a:extLst>
+              <a:ext uri="{FF2B5EF4-FFF2-40B4-BE49-F238E27FC236}">
+                <a16:creationId xmlns:a16="http://schemas.microsoft.com/office/drawing/2014/main" id="{95B02CCF-B61A-1F06-5479-56FC716F557C}"/>
+              </a:ext>
+            </a:extLst>
+          </p:cNvPr>
+          <p:cNvSpPr>
+            <a:spLocks noGrp="1"/>
+          </p:cNvSpPr>
+          <p:nvPr>
+            <p:ph idx="1"/>
+          </p:nvPr>
+        </p:nvSpPr>
+        <p:spPr>
+          <a:xfrm>
+            <a:off x="5646420" y="2320338"/>
+            <a:ext cx="5013960" cy="1819271"/>
+          </a:xfrm>
+        </p:spPr>
+        <p:txBody>
+          <a:bodyPr vert="horz" lIns="91440" tIns="45720" rIns="91440" bIns="45720" rtlCol="0" anchor="t">
+            <a:normAutofit/>
+          </a:bodyPr>
+          <a:lstStyle/>
+          <a:p>
+            <a:r>
+              <a:rPr lang="en-US" dirty="0" err="1"/>
+              <a:t>ViDeBERTa</a:t>
+            </a:r>
+            <a:r>
+              <a:rPr lang="en-US" dirty="0"/>
+              <a:t>, a new pre-trained monolingual language model for Vietnamese, with three versions - </a:t>
+            </a:r>
+            <a:r>
+              <a:rPr lang="en-US" dirty="0" err="1"/>
+              <a:t>ViDeBERTa_xsmall</a:t>
+            </a:r>
+            <a:r>
+              <a:rPr lang="en-US" dirty="0"/>
+              <a:t>, </a:t>
+            </a:r>
+            <a:r>
+              <a:rPr lang="en-US" dirty="0" err="1"/>
+              <a:t>ViDeBERTa_base</a:t>
+            </a:r>
+            <a:r>
+              <a:rPr lang="en-US" dirty="0"/>
+              <a:t>, and </a:t>
+            </a:r>
+            <a:r>
+              <a:rPr lang="en-US" dirty="0" err="1"/>
+              <a:t>ViDeBERTa_large</a:t>
+            </a:r>
+            <a:r>
+              <a:rPr lang="en-US" dirty="0"/>
+              <a:t>, which are pre-trained on 138GB of Vietnamese text of high-quality and diverse Vietnamese text using DeBERTaV3 architecture.</a:t>
+            </a:r>
+          </a:p>
+        </p:txBody>
+      </p:sp>
+      <p:sp>
+        <p:nvSpPr>
+          <p:cNvPr id="11" name="Date Placeholder 10">
+            <a:extLst>
+              <a:ext uri="{FF2B5EF4-FFF2-40B4-BE49-F238E27FC236}">
+                <a16:creationId xmlns:a16="http://schemas.microsoft.com/office/drawing/2014/main" id="{B35E5F5A-2BB9-CCC3-DC2C-84CFFCC783FA}"/>
+              </a:ext>
+            </a:extLst>
+          </p:cNvPr>
+          <p:cNvSpPr>
+            <a:spLocks noGrp="1"/>
+          </p:cNvSpPr>
+          <p:nvPr>
+            <p:ph type="dt" sz="half" idx="10"/>
+          </p:nvPr>
+        </p:nvSpPr>
+        <p:spPr/>
+        <p:txBody>
+          <a:bodyPr/>
+          <a:lstStyle/>
+          <a:p>
+            <a:r>
+              <a:rPr lang="en-US" dirty="0"/>
+              <a:t>28/10/2024</a:t>
+            </a:r>
+          </a:p>
+        </p:txBody>
+      </p:sp>
+      <p:sp>
+        <p:nvSpPr>
+          <p:cNvPr id="12" name="Footer Placeholder 11">
+            <a:extLst>
+              <a:ext uri="{FF2B5EF4-FFF2-40B4-BE49-F238E27FC236}">
+                <a16:creationId xmlns:a16="http://schemas.microsoft.com/office/drawing/2014/main" id="{9D41B881-F30D-E64B-3C09-21569ADC4FA2}"/>
+              </a:ext>
+            </a:extLst>
+          </p:cNvPr>
+          <p:cNvSpPr>
+            <a:spLocks noGrp="1"/>
+          </p:cNvSpPr>
+          <p:nvPr>
+            <p:ph type="ftr" sz="quarter" idx="11"/>
+          </p:nvPr>
+        </p:nvSpPr>
+        <p:spPr/>
+        <p:txBody>
+          <a:bodyPr/>
+          <a:lstStyle/>
+          <a:p>
+            <a:r>
+              <a:rPr lang="en-US" sz="900" dirty="0"/>
+              <a:t>Applications of NLP</a:t>
+            </a:r>
+            <a:endParaRPr lang="en-ZA" dirty="0"/>
+          </a:p>
+        </p:txBody>
+      </p:sp>
+      <p:sp>
+        <p:nvSpPr>
+          <p:cNvPr id="13" name="Slide Number Placeholder 12">
+            <a:extLst>
+              <a:ext uri="{FF2B5EF4-FFF2-40B4-BE49-F238E27FC236}">
+                <a16:creationId xmlns:a16="http://schemas.microsoft.com/office/drawing/2014/main" id="{B445CA74-1761-1443-9D60-E892495EE4C7}"/>
+              </a:ext>
+            </a:extLst>
+          </p:cNvPr>
+          <p:cNvSpPr>
+            <a:spLocks noGrp="1"/>
+          </p:cNvSpPr>
+          <p:nvPr>
+            <p:ph type="sldNum" sz="quarter" idx="12"/>
+          </p:nvPr>
+        </p:nvSpPr>
+        <p:spPr/>
+        <p:txBody>
+          <a:bodyPr/>
+          <a:lstStyle/>
+          <a:p>
+            <a:fld id="{B5CEABB6-07DC-46E8-9B57-56EC44A396E5}" type="slidenum">
+              <a:rPr lang="en-US" smtClean="0"/>
+              <a:pPr/>
+              <a:t>14</a:t>
+            </a:fld>
+            <a:endParaRPr lang="en-US" dirty="0"/>
+          </a:p>
+        </p:txBody>
+      </p:sp>
+    </p:spTree>
+    <p:extLst>
+      <p:ext uri="{BB962C8B-B14F-4D97-AF65-F5344CB8AC3E}">
+        <p14:creationId xmlns:p14="http://schemas.microsoft.com/office/powerpoint/2010/main" val="2301799336"/>
+      </p:ext>
+    </p:extLst>
+  </p:cSld>
+  <p:clrMapOvr>
+    <a:masterClrMapping/>
+  </p:clrMapOvr>
+</p:sld>
+</file>
+
+<file path=ppt/slides/slide15.xml><?xml version="1.0" encoding="utf-8"?>
 <p:sld xmlns:a="http://schemas.openxmlformats.org/drawingml/2006/main" xmlns:r="http://schemas.openxmlformats.org/officeDocument/2006/relationships" xmlns:p="http://schemas.openxmlformats.org/presentationml/2006/main">
   <p:cSld>
     <p:bg>
@@ -10865,7 +11089,7 @@
 </p:sld>
 </file>
 
-<file path=ppt/slides/slide15.xml><?xml version="1.0" encoding="utf-8"?>
+<file path=ppt/slides/slide16.xml><?xml version="1.0" encoding="utf-8"?>
 <p:sld xmlns:a="http://schemas.openxmlformats.org/drawingml/2006/main" xmlns:r="http://schemas.openxmlformats.org/officeDocument/2006/relationships" xmlns:p="http://schemas.openxmlformats.org/presentationml/2006/main">
   <p:cSld>
     <p:spTree>
@@ -11046,7 +11270,7 @@
             <a:fld id="{B5CEABB6-07DC-46E8-9B57-56EC44A396E5}" type="slidenum">
               <a:rPr lang="en-US" smtClean="0"/>
               <a:pPr/>
-              <a:t>15</a:t>
+              <a:t>16</a:t>
             </a:fld>
             <a:endParaRPr lang="en-US" dirty="0"/>
           </a:p>
@@ -15008,15 +15232,6 @@
 </file>
 
 <file path=customXml/item1.xml><?xml version="1.0" encoding="utf-8"?>
-<?mso-contentType ?>
-<FormTemplates xmlns="http://schemas.microsoft.com/sharepoint/v3/contenttype/forms">
-  <Display>DocumentLibraryForm</Display>
-  <Edit>DocumentLibraryForm</Edit>
-  <New>DocumentLibraryForm</New>
-</FormTemplates>
-</file>
-
-<file path=customXml/item2.xml><?xml version="1.0" encoding="utf-8"?>
 <p:properties xmlns:p="http://schemas.microsoft.com/office/2006/metadata/properties" xmlns:xsi="http://www.w3.org/2001/XMLSchema-instance" xmlns:pc="http://schemas.microsoft.com/office/infopath/2007/PartnerControls">
   <documentManagement>
     <_ip_UnifiedCompliancePolicyUIAction xmlns="http://schemas.microsoft.com/sharepoint/v3" xsi:nil="true"/>
@@ -15034,6 +15249,15 @@
     <Background xmlns="71af3243-3dd4-4a8d-8c0d-dd76da1f02a5">false</Background>
   </documentManagement>
 </p:properties>
+</file>
+
+<file path=customXml/item2.xml><?xml version="1.0" encoding="utf-8"?>
+<?mso-contentType ?>
+<FormTemplates xmlns="http://schemas.microsoft.com/sharepoint/v3/contenttype/forms">
+  <Display>DocumentLibraryForm</Display>
+  <Edit>DocumentLibraryForm</Edit>
+  <New>DocumentLibraryForm</New>
+</FormTemplates>
 </file>
 
 <file path=customXml/item3.xml><?xml version="1.0" encoding="utf-8"?>
@@ -15343,14 +15567,6 @@
 </file>
 
 <file path=customXml/itemProps1.xml><?xml version="1.0" encoding="utf-8"?>
-<ds:datastoreItem xmlns:ds="http://schemas.openxmlformats.org/officeDocument/2006/customXml" ds:itemID="{E618C13B-9D83-4AF4-B64D-33362D5133F8}">
-  <ds:schemaRefs>
-    <ds:schemaRef ds:uri="http://schemas.microsoft.com/sharepoint/v3/contenttype/forms"/>
-  </ds:schemaRefs>
-</ds:datastoreItem>
-</file>
-
-<file path=customXml/itemProps2.xml><?xml version="1.0" encoding="utf-8"?>
 <ds:datastoreItem xmlns:ds="http://schemas.openxmlformats.org/officeDocument/2006/customXml" ds:itemID="{CA4F7154-AFAC-4BE7-8A74-7F4B6FC2743C}">
   <ds:schemaRefs>
     <ds:schemaRef ds:uri="http://schemas.microsoft.com/office/2006/metadata/properties"/>
@@ -15358,6 +15574,14 @@
     <ds:schemaRef ds:uri="http://schemas.microsoft.com/sharepoint/v3"/>
     <ds:schemaRef ds:uri="71af3243-3dd4-4a8d-8c0d-dd76da1f02a5"/>
     <ds:schemaRef ds:uri="230e9df3-be65-4c73-a93b-d1236ebd677e"/>
+  </ds:schemaRefs>
+</ds:datastoreItem>
+</file>
+
+<file path=customXml/itemProps2.xml><?xml version="1.0" encoding="utf-8"?>
+<ds:datastoreItem xmlns:ds="http://schemas.openxmlformats.org/officeDocument/2006/customXml" ds:itemID="{E618C13B-9D83-4AF4-B64D-33362D5133F8}">
+  <ds:schemaRefs>
+    <ds:schemaRef ds:uri="http://schemas.microsoft.com/sharepoint/v3/contenttype/forms"/>
   </ds:schemaRefs>
 </ds:datastoreItem>
 </file>

--- a/Natural Language Processing.pptx
+++ b/Natural Language Processing.pptx
@@ -8736,7 +8736,7 @@
           <a:p>
             <a:r>
               <a:rPr lang="en-US" sz="2000" dirty="0"/>
-              <a:t>Students: </a:t>
+              <a:t>MSE_17_HN_TEAM_2 </a:t>
             </a:r>
           </a:p>
           <a:p>
@@ -11003,8 +11003,8 @@
         </p:nvSpPr>
         <p:spPr>
           <a:xfrm>
-            <a:off x="831850" y="432390"/>
-            <a:ext cx="7733414" cy="923330"/>
+            <a:off x="831850" y="205562"/>
+            <a:ext cx="7733414" cy="2862322"/>
           </a:xfrm>
           <a:prstGeom prst="rect">
             <a:avLst/>
@@ -11017,13 +11017,17 @@
           </a:bodyPr>
           <a:lstStyle/>
           <a:p>
-            <a:r>
-              <a:rPr lang="en-US" dirty="0" err="1">
-                <a:solidFill>
-                  <a:schemeClr val="bg1"/>
-                </a:solidFill>
-              </a:rPr>
+            <a:pPr marL="285750" indent="-285750">
+              <a:buFont typeface="Arial" panose="020B0604020202020204" pitchFamily="34" charset="0"/>
+              <a:buChar char="•"/>
+            </a:pPr>
+            <a:r>
+              <a:rPr lang="en-US" dirty="0" err="1"/>
               <a:t>Github</a:t>
+            </a:r>
+            <a:r>
+              <a:rPr lang="en-US" dirty="0"/>
+              <a:t> link:</a:t>
             </a:r>
             <a:r>
               <a:rPr lang="en-US" dirty="0">
@@ -11031,7 +11035,7 @@
                   <a:schemeClr val="bg1"/>
                 </a:solidFill>
               </a:rPr>
-              <a:t> link: </a:t>
+              <a:t> </a:t>
             </a:r>
             <a:r>
               <a:rPr lang="en-US" dirty="0">
@@ -11056,23 +11060,86 @@
               </a:rPr>
             </a:br>
             <a:r>
+              <a:rPr lang="en-US" dirty="0"/>
+              <a:t>Presentation: main/Natural Language Processing.pptx</a:t>
+            </a:r>
+          </a:p>
+          <a:p>
+            <a:pPr marL="742950" lvl="1" indent="-285750">
+              <a:buFont typeface="Wingdings" panose="05000000000000000000" pitchFamily="2" charset="2"/>
+              <a:buChar char="§"/>
+            </a:pPr>
+            <a:r>
+              <a:rPr lang="en-US" dirty="0"/>
+              <a:t>Roberta and imdb code: imdb-roberta-fine-tune.py, imdb-roberta-base-testing.py, imdb-roberta-testing.py</a:t>
+            </a:r>
+          </a:p>
+          <a:p>
+            <a:pPr marL="742950" lvl="1" indent="-285750">
+              <a:buFont typeface="Wingdings" panose="05000000000000000000" pitchFamily="2" charset="2"/>
+              <a:buChar char="§"/>
+            </a:pPr>
+            <a:r>
+              <a:rPr lang="en-US" dirty="0"/>
+              <a:t>Roberta and squad code: qa-xlm-roberta-fine-tune.py, qa-xlm-roberta-base-testing.py, qa-xlm-roberta-testing.py</a:t>
+            </a:r>
+          </a:p>
+          <a:p>
+            <a:pPr marL="285750" indent="-285750">
+              <a:buFont typeface="Arial" panose="020B0604020202020204" pitchFamily="34" charset="0"/>
+              <a:buChar char="•"/>
+            </a:pPr>
+            <a:r>
+              <a:rPr lang="en-US" dirty="0"/>
+              <a:t>After fine tune model pretrain data:</a:t>
+            </a:r>
+            <a:r>
               <a:rPr lang="en-US" dirty="0">
                 <a:solidFill>
                   <a:schemeClr val="bg1"/>
                 </a:solidFill>
               </a:rPr>
-              <a:t>Presentation: main/Natural Language Processing.pptx</a:t>
-            </a:r>
-          </a:p>
-          <a:p>
+              <a:t> </a:t>
+            </a:r>
             <a:r>
               <a:rPr lang="en-US" dirty="0">
                 <a:solidFill>
-                  <a:schemeClr val="bg1"/>
+                  <a:srgbClr val="0070C0"/>
+                </a:solidFill>
+                <a:hlinkClick r:id="rId3">
+                  <a:extLst>
+                    <a:ext uri="{A12FA001-AC4F-418D-AE19-62706E023703}">
+                      <ahyp:hlinkClr xmlns:ahyp="http://schemas.microsoft.com/office/drawing/2018/hyperlinkcolor" val="tx"/>
+                    </a:ext>
+                  </a:extLst>
+                </a:hlinkClick>
+              </a:rPr>
+              <a:t>https://drive.google.com/drive/folders/1l6yGdbADwpgKOurTWLU7umd9-ZeRCtne?usp=sharing</a:t>
+            </a:r>
+            <a:r>
+              <a:rPr lang="en-US" dirty="0">
+                <a:solidFill>
+                  <a:srgbClr val="0070C0"/>
                 </a:solidFill>
               </a:rPr>
-              <a:t>Roberta code: main/roberta.py, main/ imdb-roberta-testing.py</a:t>
-            </a:r>
+              <a:t> </a:t>
+            </a:r>
+            <a:endParaRPr lang="en-US" dirty="0">
+              <a:solidFill>
+                <a:schemeClr val="bg1"/>
+              </a:solidFill>
+            </a:endParaRPr>
+          </a:p>
+          <a:p>
+            <a:pPr marL="285750" indent="-285750">
+              <a:buFont typeface="Arial" panose="020B0604020202020204" pitchFamily="34" charset="0"/>
+              <a:buChar char="•"/>
+            </a:pPr>
+            <a:endParaRPr lang="en-US" dirty="0">
+              <a:solidFill>
+                <a:schemeClr val="bg1"/>
+              </a:solidFill>
+            </a:endParaRPr>
           </a:p>
         </p:txBody>
       </p:sp>
@@ -11168,8 +11235,8 @@
           <a:lstStyle/>
           <a:p>
             <a:r>
-              <a:rPr lang="en-US" dirty="0"/>
-              <a:t>MSE17.HN TEAM</a:t>
+              <a:rPr lang="en-US" sz="2000" dirty="0"/>
+              <a:t>MSE_17_HN_TEAM_2 </a:t>
             </a:r>
           </a:p>
         </p:txBody>
